--- a/static/template.pptx
+++ b/static/template.pptx
@@ -149,50 +149,52 @@
         </p:nvSpPr>
         <p:spPr>
           <a:xfrm>
-            <a:off x="1942416" y="2514601"/>
-            <a:ext cx="6600451" cy="2262781"/>
+            <a:off x="1942415" y="352741"/>
+            <a:ext cx="6600451" cy="1488252"/>
           </a:xfrm>
         </p:spPr>
         <p:txBody>
           <a:bodyPr anchor="b">
+            <a:noAutofit/>
+          </a:bodyPr>
+          <a:lstStyle>
+            <a:lvl1pPr>
+              <a:defRPr sz="3200" b="1"/>
+            </a:lvl1pPr>
+          </a:lstStyle>
+          <a:p>
+            <a:r>
+              <a:rPr lang="de-DE" dirty="0"/>
+              <a:t>Mastertitelformat bearbeiten</a:t>
+            </a:r>
+            <a:endParaRPr lang="en-US" dirty="0"/>
+          </a:p>
+        </p:txBody>
+      </p:sp>
+      <p:sp>
+        <p:nvSpPr>
+          <p:cNvPr id="3" name="Subtitle 2"/>
+          <p:cNvSpPr>
+            <a:spLocks noGrp="1"/>
+          </p:cNvSpPr>
+          <p:nvPr>
+            <p:ph type="subTitle" idx="1"/>
+          </p:nvPr>
+        </p:nvSpPr>
+        <p:spPr>
+          <a:xfrm>
+            <a:off x="1942415" y="2182369"/>
+            <a:ext cx="6600451" cy="3572256"/>
+          </a:xfrm>
+        </p:spPr>
+        <p:txBody>
+          <a:bodyPr anchor="t">
             <a:normAutofit/>
           </a:bodyPr>
           <a:lstStyle>
-            <a:lvl1pPr>
-              <a:defRPr sz="5400"/>
-            </a:lvl1pPr>
-          </a:lstStyle>
-          <a:p>
-            <a:r>
-              <a:rPr lang="de-DE"/>
-              <a:t>Mastertitelformat bearbeiten</a:t>
-            </a:r>
-            <a:endParaRPr lang="en-US" dirty="0"/>
-          </a:p>
-        </p:txBody>
-      </p:sp>
-      <p:sp>
-        <p:nvSpPr>
-          <p:cNvPr id="3" name="Subtitle 2"/>
-          <p:cNvSpPr>
-            <a:spLocks noGrp="1"/>
-          </p:cNvSpPr>
-          <p:nvPr>
-            <p:ph type="subTitle" idx="1"/>
-          </p:nvPr>
-        </p:nvSpPr>
-        <p:spPr>
-          <a:xfrm>
-            <a:off x="1942416" y="4777380"/>
-            <a:ext cx="6600451" cy="1126283"/>
-          </a:xfrm>
-        </p:spPr>
-        <p:txBody>
-          <a:bodyPr anchor="t"/>
-          <a:lstStyle>
             <a:lvl1pPr marL="0" indent="0" algn="l">
               <a:buNone/>
-              <a:defRPr>
+              <a:defRPr sz="1600">
                 <a:solidFill>
                   <a:schemeClr val="tx1">
                     <a:lumMod val="65000"/>
@@ -308,7 +310,7 @@
           <a:p>
             <a:fld id="{5BCAD085-E8A6-8845-BD4E-CB4CCA059FC4}" type="datetimeFigureOut">
               <a:rPr lang="en-US" smtClean="0"/>
-              <a:t>6/8/2024</a:t>
+              <a:t>6/8/24</a:t>
             </a:fld>
             <a:endParaRPr lang="en-US"/>
           </a:p>
@@ -640,7 +642,7 @@
           <a:p>
             <a:fld id="{5BCAD085-E8A6-8845-BD4E-CB4CCA059FC4}" type="datetimeFigureOut">
               <a:rPr lang="en-US" smtClean="0"/>
-              <a:t>6/8/2024</a:t>
+              <a:t>6/8/24</a:t>
             </a:fld>
             <a:endParaRPr lang="en-US"/>
           </a:p>
@@ -1039,7 +1041,7 @@
           <a:p>
             <a:fld id="{5BCAD085-E8A6-8845-BD4E-CB4CCA059FC4}" type="datetimeFigureOut">
               <a:rPr lang="en-US" smtClean="0"/>
-              <a:t>6/8/2024</a:t>
+              <a:t>6/8/24</a:t>
             </a:fld>
             <a:endParaRPr lang="en-US"/>
           </a:p>
@@ -1373,7 +1375,7 @@
           <a:p>
             <a:fld id="{5BCAD085-E8A6-8845-BD4E-CB4CCA059FC4}" type="datetimeFigureOut">
               <a:rPr lang="en-US" smtClean="0"/>
-              <a:t>6/8/2024</a:t>
+              <a:t>6/8/24</a:t>
             </a:fld>
             <a:endParaRPr lang="en-US"/>
           </a:p>
@@ -1691,7 +1693,7 @@
           <a:p>
             <a:fld id="{5BCAD085-E8A6-8845-BD4E-CB4CCA059FC4}" type="datetimeFigureOut">
               <a:rPr lang="en-US" smtClean="0"/>
-              <a:t>6/8/2024</a:t>
+              <a:t>6/8/24</a:t>
             </a:fld>
             <a:endParaRPr lang="en-US"/>
           </a:p>
@@ -2085,7 +2087,7 @@
           <a:p>
             <a:fld id="{5BCAD085-E8A6-8845-BD4E-CB4CCA059FC4}" type="datetimeFigureOut">
               <a:rPr lang="en-US" smtClean="0"/>
-              <a:t>6/8/2024</a:t>
+              <a:t>6/8/24</a:t>
             </a:fld>
             <a:endParaRPr lang="en-US"/>
           </a:p>
@@ -2340,7 +2342,7 @@
           <a:p>
             <a:fld id="{5BCAD085-E8A6-8845-BD4E-CB4CCA059FC4}" type="datetimeFigureOut">
               <a:rPr lang="en-US" smtClean="0"/>
-              <a:t>6/8/2024</a:t>
+              <a:t>6/8/24</a:t>
             </a:fld>
             <a:endParaRPr lang="en-US"/>
           </a:p>
@@ -2600,7 +2602,7 @@
           <a:p>
             <a:fld id="{5BCAD085-E8A6-8845-BD4E-CB4CCA059FC4}" type="datetimeFigureOut">
               <a:rPr lang="en-US" smtClean="0"/>
-              <a:t>6/8/2024</a:t>
+              <a:t>6/8/24</a:t>
             </a:fld>
             <a:endParaRPr lang="en-US"/>
           </a:p>
@@ -2775,8 +2777,14 @@
           </a:xfrm>
         </p:spPr>
         <p:txBody>
-          <a:bodyPr/>
-          <a:lstStyle/>
+          <a:bodyPr>
+            <a:normAutofit/>
+          </a:bodyPr>
+          <a:lstStyle>
+            <a:lvl1pPr>
+              <a:defRPr sz="3200" b="1"/>
+            </a:lvl1pPr>
+          </a:lstStyle>
           <a:p>
             <a:r>
               <a:rPr lang="de-DE"/>
@@ -2803,40 +2811,61 @@
           </a:xfrm>
         </p:spPr>
         <p:txBody>
-          <a:bodyPr/>
-          <a:lstStyle/>
+          <a:bodyPr>
+            <a:normAutofit/>
+          </a:bodyPr>
+          <a:lstStyle>
+            <a:lvl1pPr marL="234900" indent="-270900">
+              <a:spcBef>
+                <a:spcPts val="0"/>
+              </a:spcBef>
+              <a:defRPr sz="1100"/>
+            </a:lvl1pPr>
+            <a:lvl2pPr>
+              <a:defRPr sz="1050"/>
+            </a:lvl2pPr>
+            <a:lvl3pPr>
+              <a:defRPr sz="1000"/>
+            </a:lvl3pPr>
+            <a:lvl4pPr>
+              <a:defRPr sz="900"/>
+            </a:lvl4pPr>
+            <a:lvl5pPr>
+              <a:defRPr sz="900"/>
+            </a:lvl5pPr>
+          </a:lstStyle>
           <a:p>
             <a:pPr lvl="0"/>
             <a:r>
-              <a:rPr lang="de-DE"/>
+              <a:rPr lang="de-DE" dirty="0"/>
               <a:t>Mastertextformat bearbeiten</a:t>
             </a:r>
           </a:p>
           <a:p>
             <a:pPr lvl="1"/>
             <a:r>
-              <a:rPr lang="de-DE"/>
+              <a:rPr lang="de-DE" dirty="0"/>
               <a:t>Zweite Ebene</a:t>
             </a:r>
           </a:p>
           <a:p>
             <a:pPr lvl="2"/>
             <a:r>
-              <a:rPr lang="de-DE"/>
+              <a:rPr lang="de-DE" dirty="0"/>
               <a:t>Dritte Ebene</a:t>
             </a:r>
           </a:p>
           <a:p>
             <a:pPr lvl="3"/>
             <a:r>
-              <a:rPr lang="de-DE"/>
+              <a:rPr lang="de-DE" dirty="0"/>
               <a:t>Vierte Ebene</a:t>
             </a:r>
           </a:p>
           <a:p>
             <a:pPr lvl="4"/>
             <a:r>
-              <a:rPr lang="de-DE"/>
+              <a:rPr lang="de-DE" dirty="0"/>
               <a:t>Fünfte Ebene</a:t>
             </a:r>
             <a:endParaRPr lang="en-US" dirty="0"/>
@@ -2860,7 +2889,7 @@
           <a:p>
             <a:fld id="{5BCAD085-E8A6-8845-BD4E-CB4CCA059FC4}" type="datetimeFigureOut">
               <a:rPr lang="en-US" smtClean="0"/>
-              <a:t>6/8/2024</a:t>
+              <a:t>6/8/24</a:t>
             </a:fld>
             <a:endParaRPr lang="en-US"/>
           </a:p>
@@ -3187,7 +3216,7 @@
           <a:p>
             <a:fld id="{5BCAD085-E8A6-8845-BD4E-CB4CCA059FC4}" type="datetimeFigureOut">
               <a:rPr lang="en-US" smtClean="0"/>
-              <a:t>6/8/2024</a:t>
+              <a:t>6/8/24</a:t>
             </a:fld>
             <a:endParaRPr lang="en-US"/>
           </a:p>
@@ -3508,7 +3537,7 @@
           <a:p>
             <a:fld id="{5BCAD085-E8A6-8845-BD4E-CB4CCA059FC4}" type="datetimeFigureOut">
               <a:rPr lang="en-US" smtClean="0"/>
-              <a:t>6/8/2024</a:t>
+              <a:t>6/8/24</a:t>
             </a:fld>
             <a:endParaRPr lang="en-US"/>
           </a:p>
@@ -3963,7 +3992,7 @@
           <a:p>
             <a:fld id="{5BCAD085-E8A6-8845-BD4E-CB4CCA059FC4}" type="datetimeFigureOut">
               <a:rPr lang="en-US" smtClean="0"/>
-              <a:t>6/8/2024</a:t>
+              <a:t>6/8/24</a:t>
             </a:fld>
             <a:endParaRPr lang="en-US"/>
           </a:p>
@@ -4171,7 +4200,7 @@
           <a:p>
             <a:fld id="{5BCAD085-E8A6-8845-BD4E-CB4CCA059FC4}" type="datetimeFigureOut">
               <a:rPr lang="en-US" smtClean="0"/>
-              <a:t>6/8/2024</a:t>
+              <a:t>6/8/24</a:t>
             </a:fld>
             <a:endParaRPr lang="en-US"/>
           </a:p>
@@ -4346,7 +4375,7 @@
           <a:p>
             <a:fld id="{5BCAD085-E8A6-8845-BD4E-CB4CCA059FC4}" type="datetimeFigureOut">
               <a:rPr lang="en-US" smtClean="0"/>
-              <a:t>6/8/2024</a:t>
+              <a:t>6/8/24</a:t>
             </a:fld>
             <a:endParaRPr lang="en-US"/>
           </a:p>
@@ -4677,7 +4706,7 @@
           <a:p>
             <a:fld id="{5BCAD085-E8A6-8845-BD4E-CB4CCA059FC4}" type="datetimeFigureOut">
               <a:rPr lang="en-US" smtClean="0"/>
-              <a:t>6/8/2024</a:t>
+              <a:t>6/8/24</a:t>
             </a:fld>
             <a:endParaRPr lang="en-US"/>
           </a:p>
@@ -5020,7 +5049,7 @@
           <a:p>
             <a:fld id="{5BCAD085-E8A6-8845-BD4E-CB4CCA059FC4}" type="datetimeFigureOut">
               <a:rPr lang="en-US" smtClean="0"/>
-              <a:t>6/8/2024</a:t>
+              <a:t>6/8/24</a:t>
             </a:fld>
             <a:endParaRPr lang="en-US"/>
           </a:p>
@@ -7065,35 +7094,35 @@
           <a:p>
             <a:pPr lvl="0"/>
             <a:r>
-              <a:rPr lang="de-DE"/>
+              <a:rPr lang="de-DE" dirty="0"/>
               <a:t>Mastertextformat bearbeiten</a:t>
             </a:r>
           </a:p>
           <a:p>
             <a:pPr lvl="1"/>
             <a:r>
-              <a:rPr lang="de-DE"/>
+              <a:rPr lang="de-DE" dirty="0"/>
               <a:t>Zweite Ebene</a:t>
             </a:r>
           </a:p>
           <a:p>
             <a:pPr lvl="2"/>
             <a:r>
-              <a:rPr lang="de-DE"/>
+              <a:rPr lang="de-DE" dirty="0"/>
               <a:t>Dritte Ebene</a:t>
             </a:r>
           </a:p>
           <a:p>
             <a:pPr lvl="3"/>
             <a:r>
-              <a:rPr lang="de-DE"/>
+              <a:rPr lang="de-DE" dirty="0"/>
               <a:t>Vierte Ebene</a:t>
             </a:r>
           </a:p>
           <a:p>
             <a:pPr lvl="4"/>
             <a:r>
-              <a:rPr lang="de-DE"/>
+              <a:rPr lang="de-DE" dirty="0"/>
               <a:t>Fünfte Ebene</a:t>
             </a:r>
             <a:endParaRPr lang="en-US" dirty="0"/>
@@ -7135,7 +7164,7 @@
           <a:p>
             <a:fld id="{5BCAD085-E8A6-8845-BD4E-CB4CCA059FC4}" type="datetimeFigureOut">
               <a:rPr lang="en-US" smtClean="0"/>
-              <a:t>6/8/2024</a:t>
+              <a:t>6/8/24</a:t>
             </a:fld>
             <a:endParaRPr lang="en-US"/>
           </a:p>
@@ -7320,7 +7349,7 @@
       </a:lvl9pPr>
     </p:titleStyle>
     <p:bodyStyle>
-      <a:lvl1pPr marL="342900" indent="-342900" algn="l" defTabSz="457200" rtl="0" eaLnBrk="1" latinLnBrk="0" hangingPunct="1">
+      <a:lvl1pPr marL="0" indent="0" algn="l" defTabSz="457200" rtl="0" eaLnBrk="1" latinLnBrk="0" hangingPunct="1">
         <a:spcBef>
           <a:spcPts val="1000"/>
         </a:spcBef>
@@ -7331,7 +7360,7 @@
           <a:schemeClr val="accent1"/>
         </a:buClr>
         <a:buFont typeface="Wingdings 3" charset="2"/>
-        <a:buChar char=""/>
+        <a:buNone/>
         <a:defRPr sz="1800" kern="1200">
           <a:solidFill>
             <a:schemeClr val="tx1">
@@ -7344,7 +7373,7 @@
           <a:cs typeface="+mn-cs"/>
         </a:defRPr>
       </a:lvl1pPr>
-      <a:lvl2pPr marL="742950" indent="-285750" algn="l" defTabSz="457200" rtl="0" eaLnBrk="1" latinLnBrk="0" hangingPunct="1">
+      <a:lvl2pPr marL="457200" indent="0" algn="l" defTabSz="457200" rtl="0" eaLnBrk="1" latinLnBrk="0" hangingPunct="1">
         <a:spcBef>
           <a:spcPts val="1000"/>
         </a:spcBef>
@@ -7355,7 +7384,7 @@
           <a:schemeClr val="accent1"/>
         </a:buClr>
         <a:buFont typeface="Wingdings 3" charset="2"/>
-        <a:buChar char=""/>
+        <a:buNone/>
         <a:defRPr sz="1600" kern="1200">
           <a:solidFill>
             <a:schemeClr val="tx1">
@@ -7368,7 +7397,7 @@
           <a:cs typeface="+mn-cs"/>
         </a:defRPr>
       </a:lvl2pPr>
-      <a:lvl3pPr marL="1143000" indent="-228600" algn="l" defTabSz="457200" rtl="0" eaLnBrk="1" latinLnBrk="0" hangingPunct="1">
+      <a:lvl3pPr marL="914400" indent="0" algn="l" defTabSz="457200" rtl="0" eaLnBrk="1" latinLnBrk="0" hangingPunct="1">
         <a:spcBef>
           <a:spcPts val="1000"/>
         </a:spcBef>
@@ -7379,7 +7408,7 @@
           <a:schemeClr val="accent1"/>
         </a:buClr>
         <a:buFont typeface="Wingdings 3" charset="2"/>
-        <a:buChar char=""/>
+        <a:buNone/>
         <a:defRPr sz="1400" kern="1200">
           <a:solidFill>
             <a:schemeClr val="tx1">
@@ -7392,7 +7421,7 @@
           <a:cs typeface="+mn-cs"/>
         </a:defRPr>
       </a:lvl3pPr>
-      <a:lvl4pPr marL="1600200" indent="-228600" algn="l" defTabSz="457200" rtl="0" eaLnBrk="1" latinLnBrk="0" hangingPunct="1">
+      <a:lvl4pPr marL="1371600" indent="0" algn="l" defTabSz="457200" rtl="0" eaLnBrk="1" latinLnBrk="0" hangingPunct="1">
         <a:spcBef>
           <a:spcPts val="1000"/>
         </a:spcBef>
@@ -7403,7 +7432,7 @@
           <a:schemeClr val="accent1"/>
         </a:buClr>
         <a:buFont typeface="Wingdings 3" charset="2"/>
-        <a:buChar char=""/>
+        <a:buNone/>
         <a:defRPr sz="1200" kern="1200">
           <a:solidFill>
             <a:schemeClr val="tx1">
@@ -7416,7 +7445,7 @@
           <a:cs typeface="+mn-cs"/>
         </a:defRPr>
       </a:lvl4pPr>
-      <a:lvl5pPr marL="2057400" indent="-228600" algn="l" defTabSz="457200" rtl="0" eaLnBrk="1" latinLnBrk="0" hangingPunct="1">
+      <a:lvl5pPr marL="1828800" indent="0" algn="l" defTabSz="457200" rtl="0" eaLnBrk="1" latinLnBrk="0" hangingPunct="1">
         <a:spcBef>
           <a:spcPts val="1000"/>
         </a:spcBef>
@@ -7427,7 +7456,7 @@
           <a:schemeClr val="accent1"/>
         </a:buClr>
         <a:buFont typeface="Wingdings 3" charset="2"/>
-        <a:buChar char=""/>
+        <a:buNone/>
         <a:defRPr sz="1200" kern="1200">
           <a:solidFill>
             <a:schemeClr val="tx1">
